--- a/docs/Presentation-[Final].pptx
+++ b/docs/Presentation-[Final].pptx
@@ -336,7 +336,7 @@
             <a:fld id="{EA33B4B9-AFB0-43EB-82AF-ED70AC262E4F}" type="datetimeFigureOut">
               <a:rPr lang="en-US" smtClean="0"/>
               <a:pPr/>
-              <a:t>5/18/2023</a:t>
+              <a:t>5/20/2023</a:t>
             </a:fld>
             <a:endParaRPr lang="en-US" dirty="0"/>
           </a:p>
@@ -504,7 +504,7 @@
             <a:fld id="{3D31E77A-DD07-4A76-801D-B4BF4990C412}" type="datetimeFigureOut">
               <a:rPr lang="en-US" smtClean="0"/>
               <a:pPr/>
-              <a:t>5/18/2023</a:t>
+              <a:t>5/20/2023</a:t>
             </a:fld>
             <a:endParaRPr lang="en-US" dirty="0"/>
           </a:p>
@@ -2011,7 +2011,7 @@
           <a:p>
             <a:fld id="{4C6EE47A-61B0-4AD5-AD28-DF0CBE3B9139}" type="datetime3">
               <a:rPr lang="en-US" smtClean="0"/>
-              <a:t>18 May 2023</a:t>
+              <a:t>20 May 2023</a:t>
             </a:fld>
             <a:endParaRPr lang="en-US" dirty="0"/>
           </a:p>
@@ -3064,7 +3064,7 @@
           <a:p>
             <a:fld id="{3EFB6605-F85D-4D8F-8F63-FBCD27E9329F}" type="datetime3">
               <a:rPr lang="en-US" smtClean="0"/>
-              <a:t>18 May 2023</a:t>
+              <a:t>20 May 2023</a:t>
             </a:fld>
             <a:endParaRPr lang="en-US" dirty="0"/>
           </a:p>
@@ -4124,7 +4124,7 @@
           <a:p>
             <a:fld id="{1EB70E5C-FA3C-49ED-B490-58E2D619ACB5}" type="datetime3">
               <a:rPr lang="en-US" smtClean="0"/>
-              <a:t>18 May 2023</a:t>
+              <a:t>20 May 2023</a:t>
             </a:fld>
             <a:endParaRPr lang="en-US" dirty="0"/>
           </a:p>
@@ -5812,7 +5812,7 @@
           <a:p>
             <a:fld id="{94ECA7B9-E137-419C-A0AA-E4A7A6408C27}" type="datetime3">
               <a:rPr lang="en-US" smtClean="0"/>
-              <a:t>18 May 2023</a:t>
+              <a:t>20 May 2023</a:t>
             </a:fld>
             <a:endParaRPr lang="en-US" dirty="0"/>
           </a:p>
@@ -6092,7 +6092,7 @@
           <a:p>
             <a:fld id="{092DB678-E5A8-4AB4-BCEB-FF7AF9DA1E27}" type="datetime3">
               <a:rPr lang="en-US" smtClean="0"/>
-              <a:t>18 May 2023</a:t>
+              <a:t>20 May 2023</a:t>
             </a:fld>
             <a:endParaRPr lang="en-US" dirty="0"/>
           </a:p>
@@ -7164,7 +7164,7 @@
           <a:p>
             <a:fld id="{60EBC9FA-6492-4EEF-8654-78B824EAF7E3}" type="datetime3">
               <a:rPr lang="en-US" smtClean="0"/>
-              <a:t>18 May 2023</a:t>
+              <a:t>20 May 2023</a:t>
             </a:fld>
             <a:endParaRPr lang="en-US" dirty="0"/>
           </a:p>
@@ -7346,7 +7346,7 @@
           <a:p>
             <a:fld id="{273A5C0E-6BCC-477D-A16D-DCBE6F3FD056}" type="datetime3">
               <a:rPr lang="en-US" smtClean="0"/>
-              <a:t>18 May 2023</a:t>
+              <a:t>20 May 2023</a:t>
             </a:fld>
             <a:endParaRPr lang="en-US" dirty="0"/>
           </a:p>
@@ -8371,7 +8371,7 @@
           <a:p>
             <a:fld id="{F1D27EB9-F2E3-4E20-8604-311FD1A815D9}" type="datetime3">
               <a:rPr lang="en-US" smtClean="0"/>
-              <a:t>18 May 2023</a:t>
+              <a:t>20 May 2023</a:t>
             </a:fld>
             <a:endParaRPr lang="en-US" dirty="0"/>
           </a:p>
@@ -8813,7 +8813,7 @@
           <a:p>
             <a:fld id="{A4E3F0EE-A935-4B62-A11F-CFE7336A0168}" type="datetime3">
               <a:rPr lang="en-US" smtClean="0"/>
-              <a:t>18 May 2023</a:t>
+              <a:t>20 May 2023</a:t>
             </a:fld>
             <a:endParaRPr lang="en-US" dirty="0"/>
           </a:p>
@@ -9154,7 +9154,7 @@
           <a:p>
             <a:fld id="{A1CCB08D-9F52-4097-A6B1-556BCA7D756A}" type="datetime3">
               <a:rPr lang="en-US" smtClean="0"/>
-              <a:t>18 May 2023</a:t>
+              <a:t>20 May 2023</a:t>
             </a:fld>
             <a:endParaRPr lang="en-US" dirty="0"/>
           </a:p>
@@ -10382,7 +10382,7 @@
           <a:p>
             <a:fld id="{0C32F6A5-2B36-41F3-B06A-555B3D708D61}" type="datetime3">
               <a:rPr lang="en-US" smtClean="0"/>
-              <a:t>18 May 2023</a:t>
+              <a:t>20 May 2023</a:t>
             </a:fld>
             <a:endParaRPr lang="en-US" dirty="0"/>
           </a:p>
@@ -10616,7 +10616,7 @@
           <a:p>
             <a:fld id="{7FED07E3-F7B4-4827-A82E-45E181DAC1FB}" type="datetime3">
               <a:rPr lang="en-US" smtClean="0"/>
-              <a:t>18 May 2023</a:t>
+              <a:t>20 May 2023</a:t>
             </a:fld>
             <a:endParaRPr lang="en-US" dirty="0"/>
           </a:p>
@@ -10928,7 +10928,7 @@
           <a:p>
             <a:fld id="{8B1B6B8A-083F-43E1-A9D2-BBD5F532B01C}" type="datetime3">
               <a:rPr lang="en-US" smtClean="0"/>
-              <a:t>18 May 2023</a:t>
+              <a:t>20 May 2023</a:t>
             </a:fld>
             <a:endParaRPr lang="en-US" dirty="0"/>
           </a:p>
@@ -12020,7 +12020,7 @@
           <a:p>
             <a:fld id="{096E2AF4-03A5-47E1-9F8C-F128135E01E9}" type="datetime3">
               <a:rPr lang="en-US" smtClean="0"/>
-              <a:t>18 May 2023</a:t>
+              <a:t>20 May 2023</a:t>
             </a:fld>
             <a:endParaRPr lang="en-US" dirty="0"/>
           </a:p>
@@ -13055,7 +13055,7 @@
           <a:p>
             <a:fld id="{BA200F75-2473-4FA2-971B-84DC251BF930}" type="datetime3">
               <a:rPr lang="en-US" smtClean="0"/>
-              <a:t>18 May 2023</a:t>
+              <a:t>20 May 2023</a:t>
             </a:fld>
             <a:endParaRPr lang="en-US" dirty="0"/>
           </a:p>
@@ -14234,7 +14234,7 @@
           <a:p>
             <a:fld id="{BBD35060-6D8F-4324-B4CE-D0C97D6141DC}" type="datetime3">
               <a:rPr lang="en-US" smtClean="0"/>
-              <a:t>18 May 2023</a:t>
+              <a:t>20 May 2023</a:t>
             </a:fld>
             <a:endParaRPr lang="en-US" dirty="0"/>
           </a:p>
@@ -15387,7 +15387,7 @@
           <a:p>
             <a:fld id="{3F853483-E03A-4F62-8E5A-0C6838791E79}" type="datetime3">
               <a:rPr lang="en-US" smtClean="0"/>
-              <a:t>18 May 2023</a:t>
+              <a:t>20 May 2023</a:t>
             </a:fld>
             <a:endParaRPr lang="en-US" dirty="0"/>
           </a:p>
@@ -16576,7 +16576,7 @@
           <a:p>
             <a:fld id="{27710889-BB75-4965-AF48-BB30FFA35951}" type="datetime3">
               <a:rPr lang="en-US" smtClean="0"/>
-              <a:t>18 May 2023</a:t>
+              <a:t>20 May 2023</a:t>
             </a:fld>
             <a:endParaRPr lang="en-US" dirty="0"/>
           </a:p>
@@ -17650,7 +17650,7 @@
           <a:p>
             <a:fld id="{E0E59C8E-2C2E-45AA-B414-105A96D9B43B}" type="datetime3">
               <a:rPr lang="en-US" smtClean="0"/>
-              <a:t>18 May 2023</a:t>
+              <a:t>20 May 2023</a:t>
             </a:fld>
             <a:endParaRPr lang="en-US" dirty="0"/>
           </a:p>
@@ -20419,7 +20419,7 @@
             <a:pPr algn="just"/>
             <a:r>
               <a:rPr lang="en-US" b="1" dirty="0"/>
-              <a:t>Feed-Forward Networks</a:t>
+              <a:t>Convolutional Neural Networks</a:t>
             </a:r>
             <a:r>
               <a:rPr lang="en-US" dirty="0"/>
@@ -27486,7 +27486,7 @@
             </a:r>
             <a:r>
               <a:rPr lang="en-US" dirty="0"/>
-              <a:t>: Windows 7-11/ Linux / MAC OS</a:t>
+              <a:t>: Windows 7 or higher/ Linux / MAC OS</a:t>
             </a:r>
           </a:p>
           <a:p>

--- a/docs/Presentation-[Final].pptx
+++ b/docs/Presentation-[Final].pptx
@@ -18229,8 +18229,8 @@
         </p:nvSpPr>
         <p:spPr>
           <a:xfrm>
-            <a:off x="7165658" y="5767701"/>
-            <a:ext cx="1919821" cy="523220"/>
+            <a:off x="6843455" y="5706146"/>
+            <a:ext cx="2564228" cy="646331"/>
           </a:xfrm>
           <a:prstGeom prst="rect">
             <a:avLst/>
@@ -18245,10 +18245,26 @@
           <a:p>
             <a:pPr algn="ctr"/>
             <a:r>
+              <a:rPr lang="en-IN" sz="1400" dirty="0">
+                <a:effectLst/>
+                <a:latin typeface="Times New Roman" panose="02020603050405020304" pitchFamily="18" charset="0"/>
+                <a:ea typeface="Calibri" panose="020F0502020204030204" pitchFamily="34" charset="0"/>
+              </a:rPr>
+              <a:t>Prof</a:t>
+            </a:r>
+            <a:r>
+              <a:rPr lang="en-IN" sz="1800" dirty="0">
+                <a:effectLst/>
+                <a:latin typeface="Times New Roman" panose="02020603050405020304" pitchFamily="18" charset="0"/>
+                <a:ea typeface="Calibri" panose="020F0502020204030204" pitchFamily="34" charset="0"/>
+              </a:rPr>
+              <a:t>. (</a:t>
+            </a:r>
+            <a:r>
               <a:rPr lang="en-US" sz="1400" dirty="0">
                 <a:cs typeface="Times New Roman" panose="02020603050405020304" pitchFamily="18" charset="0"/>
               </a:rPr>
-              <a:t>Dr. </a:t>
+              <a:t>Dr.) </a:t>
             </a:r>
             <a:r>
               <a:rPr lang="en-US" sz="1400" dirty="0" err="1">
@@ -18265,6 +18281,22 @@
           </a:p>
           <a:p>
             <a:pPr algn="ctr"/>
+            <a:r>
+              <a:rPr lang="en-IN" sz="1400" dirty="0">
+                <a:effectLst/>
+                <a:latin typeface="Times New Roman" panose="02020603050405020304" pitchFamily="18" charset="0"/>
+                <a:ea typeface="Calibri" panose="020F0502020204030204" pitchFamily="34" charset="0"/>
+              </a:rPr>
+              <a:t>Prof</a:t>
+            </a:r>
+            <a:r>
+              <a:rPr lang="en-IN" sz="1800" dirty="0">
+                <a:effectLst/>
+                <a:latin typeface="Times New Roman" panose="02020603050405020304" pitchFamily="18" charset="0"/>
+                <a:ea typeface="Calibri" panose="020F0502020204030204" pitchFamily="34" charset="0"/>
+              </a:rPr>
+              <a:t>. </a:t>
+            </a:r>
             <a:r>
               <a:rPr lang="en-IN" sz="1400" dirty="0" err="1">
                 <a:cs typeface="Times New Roman" panose="02020603050405020304" pitchFamily="18" charset="0"/>
@@ -23223,15 +23255,7 @@
                   <a:srgbClr val="3D4149"/>
                 </a:solidFill>
               </a:rPr>
-              <a:t>Topic to be </a:t>
-            </a:r>
-            <a:r>
-              <a:rPr lang="en-US" dirty="0" err="1">
-                <a:solidFill>
-                  <a:srgbClr val="3D4149"/>
-                </a:solidFill>
-              </a:rPr>
-              <a:t>Coverd</a:t>
+              <a:t>Topic to be Covered</a:t>
             </a:r>
             <a:endParaRPr lang="en-IN" dirty="0">
               <a:solidFill>
@@ -23320,7 +23344,7 @@
                   <a:srgbClr val="3D4149"/>
                 </a:solidFill>
               </a:rPr>
-              <a:t>Result;</a:t>
+              <a:t>Result &amp; ..;</a:t>
             </a:r>
           </a:p>
           <a:p>

--- a/docs/Presentation-[Final].pptx
+++ b/docs/Presentation-[Final].pptx
@@ -336,7 +336,7 @@
             <a:fld id="{EA33B4B9-AFB0-43EB-82AF-ED70AC262E4F}" type="datetimeFigureOut">
               <a:rPr lang="en-US" smtClean="0"/>
               <a:pPr/>
-              <a:t>5/20/2023</a:t>
+              <a:t>5/21/2023</a:t>
             </a:fld>
             <a:endParaRPr lang="en-US" dirty="0"/>
           </a:p>
@@ -504,7 +504,7 @@
             <a:fld id="{3D31E77A-DD07-4A76-801D-B4BF4990C412}" type="datetimeFigureOut">
               <a:rPr lang="en-US" smtClean="0"/>
               <a:pPr/>
-              <a:t>5/20/2023</a:t>
+              <a:t>5/21/2023</a:t>
             </a:fld>
             <a:endParaRPr lang="en-US" dirty="0"/>
           </a:p>
@@ -2011,7 +2011,7 @@
           <a:p>
             <a:fld id="{4C6EE47A-61B0-4AD5-AD28-DF0CBE3B9139}" type="datetime3">
               <a:rPr lang="en-US" smtClean="0"/>
-              <a:t>20 May 2023</a:t>
+              <a:t>21 May 2023</a:t>
             </a:fld>
             <a:endParaRPr lang="en-US" dirty="0"/>
           </a:p>
@@ -3064,7 +3064,7 @@
           <a:p>
             <a:fld id="{3EFB6605-F85D-4D8F-8F63-FBCD27E9329F}" type="datetime3">
               <a:rPr lang="en-US" smtClean="0"/>
-              <a:t>20 May 2023</a:t>
+              <a:t>21 May 2023</a:t>
             </a:fld>
             <a:endParaRPr lang="en-US" dirty="0"/>
           </a:p>
@@ -4124,7 +4124,7 @@
           <a:p>
             <a:fld id="{1EB70E5C-FA3C-49ED-B490-58E2D619ACB5}" type="datetime3">
               <a:rPr lang="en-US" smtClean="0"/>
-              <a:t>20 May 2023</a:t>
+              <a:t>21 May 2023</a:t>
             </a:fld>
             <a:endParaRPr lang="en-US" dirty="0"/>
           </a:p>
@@ -5812,7 +5812,7 @@
           <a:p>
             <a:fld id="{94ECA7B9-E137-419C-A0AA-E4A7A6408C27}" type="datetime3">
               <a:rPr lang="en-US" smtClean="0"/>
-              <a:t>20 May 2023</a:t>
+              <a:t>21 May 2023</a:t>
             </a:fld>
             <a:endParaRPr lang="en-US" dirty="0"/>
           </a:p>
@@ -6092,7 +6092,7 @@
           <a:p>
             <a:fld id="{092DB678-E5A8-4AB4-BCEB-FF7AF9DA1E27}" type="datetime3">
               <a:rPr lang="en-US" smtClean="0"/>
-              <a:t>20 May 2023</a:t>
+              <a:t>21 May 2023</a:t>
             </a:fld>
             <a:endParaRPr lang="en-US" dirty="0"/>
           </a:p>
@@ -7164,7 +7164,7 @@
           <a:p>
             <a:fld id="{60EBC9FA-6492-4EEF-8654-78B824EAF7E3}" type="datetime3">
               <a:rPr lang="en-US" smtClean="0"/>
-              <a:t>20 May 2023</a:t>
+              <a:t>21 May 2023</a:t>
             </a:fld>
             <a:endParaRPr lang="en-US" dirty="0"/>
           </a:p>
@@ -7346,7 +7346,7 @@
           <a:p>
             <a:fld id="{273A5C0E-6BCC-477D-A16D-DCBE6F3FD056}" type="datetime3">
               <a:rPr lang="en-US" smtClean="0"/>
-              <a:t>20 May 2023</a:t>
+              <a:t>21 May 2023</a:t>
             </a:fld>
             <a:endParaRPr lang="en-US" dirty="0"/>
           </a:p>
@@ -8371,7 +8371,7 @@
           <a:p>
             <a:fld id="{F1D27EB9-F2E3-4E20-8604-311FD1A815D9}" type="datetime3">
               <a:rPr lang="en-US" smtClean="0"/>
-              <a:t>20 May 2023</a:t>
+              <a:t>21 May 2023</a:t>
             </a:fld>
             <a:endParaRPr lang="en-US" dirty="0"/>
           </a:p>
@@ -8813,7 +8813,7 @@
           <a:p>
             <a:fld id="{A4E3F0EE-A935-4B62-A11F-CFE7336A0168}" type="datetime3">
               <a:rPr lang="en-US" smtClean="0"/>
-              <a:t>20 May 2023</a:t>
+              <a:t>21 May 2023</a:t>
             </a:fld>
             <a:endParaRPr lang="en-US" dirty="0"/>
           </a:p>
@@ -9154,7 +9154,7 @@
           <a:p>
             <a:fld id="{A1CCB08D-9F52-4097-A6B1-556BCA7D756A}" type="datetime3">
               <a:rPr lang="en-US" smtClean="0"/>
-              <a:t>20 May 2023</a:t>
+              <a:t>21 May 2023</a:t>
             </a:fld>
             <a:endParaRPr lang="en-US" dirty="0"/>
           </a:p>
@@ -10382,7 +10382,7 @@
           <a:p>
             <a:fld id="{0C32F6A5-2B36-41F3-B06A-555B3D708D61}" type="datetime3">
               <a:rPr lang="en-US" smtClean="0"/>
-              <a:t>20 May 2023</a:t>
+              <a:t>21 May 2023</a:t>
             </a:fld>
             <a:endParaRPr lang="en-US" dirty="0"/>
           </a:p>
@@ -10616,7 +10616,7 @@
           <a:p>
             <a:fld id="{7FED07E3-F7B4-4827-A82E-45E181DAC1FB}" type="datetime3">
               <a:rPr lang="en-US" smtClean="0"/>
-              <a:t>20 May 2023</a:t>
+              <a:t>21 May 2023</a:t>
             </a:fld>
             <a:endParaRPr lang="en-US" dirty="0"/>
           </a:p>
@@ -10928,7 +10928,7 @@
           <a:p>
             <a:fld id="{8B1B6B8A-083F-43E1-A9D2-BBD5F532B01C}" type="datetime3">
               <a:rPr lang="en-US" smtClean="0"/>
-              <a:t>20 May 2023</a:t>
+              <a:t>21 May 2023</a:t>
             </a:fld>
             <a:endParaRPr lang="en-US" dirty="0"/>
           </a:p>
@@ -12020,7 +12020,7 @@
           <a:p>
             <a:fld id="{096E2AF4-03A5-47E1-9F8C-F128135E01E9}" type="datetime3">
               <a:rPr lang="en-US" smtClean="0"/>
-              <a:t>20 May 2023</a:t>
+              <a:t>21 May 2023</a:t>
             </a:fld>
             <a:endParaRPr lang="en-US" dirty="0"/>
           </a:p>
@@ -13055,7 +13055,7 @@
           <a:p>
             <a:fld id="{BA200F75-2473-4FA2-971B-84DC251BF930}" type="datetime3">
               <a:rPr lang="en-US" smtClean="0"/>
-              <a:t>20 May 2023</a:t>
+              <a:t>21 May 2023</a:t>
             </a:fld>
             <a:endParaRPr lang="en-US" dirty="0"/>
           </a:p>
@@ -14234,7 +14234,7 @@
           <a:p>
             <a:fld id="{BBD35060-6D8F-4324-B4CE-D0C97D6141DC}" type="datetime3">
               <a:rPr lang="en-US" smtClean="0"/>
-              <a:t>20 May 2023</a:t>
+              <a:t>21 May 2023</a:t>
             </a:fld>
             <a:endParaRPr lang="en-US" dirty="0"/>
           </a:p>
@@ -15387,7 +15387,7 @@
           <a:p>
             <a:fld id="{3F853483-E03A-4F62-8E5A-0C6838791E79}" type="datetime3">
               <a:rPr lang="en-US" smtClean="0"/>
-              <a:t>20 May 2023</a:t>
+              <a:t>21 May 2023</a:t>
             </a:fld>
             <a:endParaRPr lang="en-US" dirty="0"/>
           </a:p>
@@ -16576,7 +16576,7 @@
           <a:p>
             <a:fld id="{27710889-BB75-4965-AF48-BB30FFA35951}" type="datetime3">
               <a:rPr lang="en-US" smtClean="0"/>
-              <a:t>20 May 2023</a:t>
+              <a:t>21 May 2023</a:t>
             </a:fld>
             <a:endParaRPr lang="en-US" dirty="0"/>
           </a:p>
@@ -17650,7 +17650,7 @@
           <a:p>
             <a:fld id="{E0E59C8E-2C2E-45AA-B414-105A96D9B43B}" type="datetime3">
               <a:rPr lang="en-US" smtClean="0"/>
-              <a:t>20 May 2023</a:t>
+              <a:t>21 May 2023</a:t>
             </a:fld>
             <a:endParaRPr lang="en-US" dirty="0"/>
           </a:p>
@@ -20194,22 +20194,12 @@
               <a:buChar char="v"/>
             </a:pPr>
             <a:r>
-              <a:rPr lang="en-US" dirty="0"/>
-              <a:t> Load and separate train-test data.</a:t>
-            </a:r>
-          </a:p>
-          <a:p>
-            <a:pPr lvl="1" algn="just">
-              <a:buFont typeface="Wingdings" panose="05000000000000000000" pitchFamily="2" charset="2"/>
-              <a:buChar char="v"/>
-            </a:pPr>
-            <a:r>
               <a:rPr lang="en-US" dirty="0">
                 <a:solidFill>
                   <a:srgbClr val="3D4149"/>
                 </a:solidFill>
               </a:rPr>
-              <a:t>In order to train the model, we used 24000 sample data. Every sample data has 42 attributes (2D Coordinates).</a:t>
+              <a:t>We used 24,000 sample data. Every sample data has 42 attributes.</a:t>
             </a:r>
           </a:p>
           <a:p>
@@ -20231,7 +20221,7 @@
                   <a:srgbClr val="3D4149"/>
                 </a:solidFill>
               </a:rPr>
-              <a:t>Feedforward</a:t>
+              <a:t>Deep Learning</a:t>
             </a:r>
             <a:r>
               <a:rPr lang="en-US" dirty="0">

--- a/docs/Presentation-[Final].pptx
+++ b/docs/Presentation-[Final].pptx
@@ -5,10 +5,10 @@
     <p:sldMasterId id="2147483912" r:id="rId1"/>
   </p:sldMasterIdLst>
   <p:notesMasterIdLst>
-    <p:notesMasterId r:id="rId24"/>
+    <p:notesMasterId r:id="rId23"/>
   </p:notesMasterIdLst>
   <p:handoutMasterIdLst>
-    <p:handoutMasterId r:id="rId25"/>
+    <p:handoutMasterId r:id="rId24"/>
   </p:handoutMasterIdLst>
   <p:sldIdLst>
     <p:sldId id="897" r:id="rId2"/>
@@ -28,11 +28,10 @@
     <p:sldId id="906" r:id="rId16"/>
     <p:sldId id="914" r:id="rId17"/>
     <p:sldId id="907" r:id="rId18"/>
-    <p:sldId id="911" r:id="rId19"/>
-    <p:sldId id="908" r:id="rId20"/>
-    <p:sldId id="909" r:id="rId21"/>
-    <p:sldId id="910" r:id="rId22"/>
-    <p:sldId id="824" r:id="rId23"/>
+    <p:sldId id="908" r:id="rId19"/>
+    <p:sldId id="909" r:id="rId20"/>
+    <p:sldId id="910" r:id="rId21"/>
+    <p:sldId id="824" r:id="rId22"/>
   </p:sldIdLst>
   <p:sldSz cx="12192000" cy="6858000"/>
   <p:notesSz cx="6858000" cy="9144000"/>
@@ -153,7 +152,6 @@
             <p14:sldId id="906"/>
             <p14:sldId id="914"/>
             <p14:sldId id="907"/>
-            <p14:sldId id="911"/>
             <p14:sldId id="908"/>
             <p14:sldId id="909"/>
             <p14:sldId id="910"/>
@@ -336,7 +334,7 @@
             <a:fld id="{EA33B4B9-AFB0-43EB-82AF-ED70AC262E4F}" type="datetimeFigureOut">
               <a:rPr lang="en-US" smtClean="0"/>
               <a:pPr/>
-              <a:t>5/21/2023</a:t>
+              <a:t>5/22/2023</a:t>
             </a:fld>
             <a:endParaRPr lang="en-US" dirty="0"/>
           </a:p>
@@ -504,7 +502,7 @@
             <a:fld id="{3D31E77A-DD07-4A76-801D-B4BF4990C412}" type="datetimeFigureOut">
               <a:rPr lang="en-US" smtClean="0"/>
               <a:pPr/>
-              <a:t>5/21/2023</a:t>
+              <a:t>5/22/2023</a:t>
             </a:fld>
             <a:endParaRPr lang="en-US" dirty="0"/>
           </a:p>
@@ -848,7 +846,7 @@
             <a:fld id="{2CA3AB2B-189A-4C92-A457-C6A3833631A7}" type="slidenum">
               <a:rPr lang="en-US" smtClean="0"/>
               <a:pPr/>
-              <a:t>22</a:t>
+              <a:t>21</a:t>
             </a:fld>
             <a:endParaRPr lang="en-US" dirty="0"/>
           </a:p>
@@ -2011,7 +2009,7 @@
           <a:p>
             <a:fld id="{4C6EE47A-61B0-4AD5-AD28-DF0CBE3B9139}" type="datetime3">
               <a:rPr lang="en-US" smtClean="0"/>
-              <a:t>21 May 2023</a:t>
+              <a:t>22 May 2023</a:t>
             </a:fld>
             <a:endParaRPr lang="en-US" dirty="0"/>
           </a:p>
@@ -3064,7 +3062,7 @@
           <a:p>
             <a:fld id="{3EFB6605-F85D-4D8F-8F63-FBCD27E9329F}" type="datetime3">
               <a:rPr lang="en-US" smtClean="0"/>
-              <a:t>21 May 2023</a:t>
+              <a:t>22 May 2023</a:t>
             </a:fld>
             <a:endParaRPr lang="en-US" dirty="0"/>
           </a:p>
@@ -4124,7 +4122,7 @@
           <a:p>
             <a:fld id="{1EB70E5C-FA3C-49ED-B490-58E2D619ACB5}" type="datetime3">
               <a:rPr lang="en-US" smtClean="0"/>
-              <a:t>21 May 2023</a:t>
+              <a:t>22 May 2023</a:t>
             </a:fld>
             <a:endParaRPr lang="en-US" dirty="0"/>
           </a:p>
@@ -5812,7 +5810,7 @@
           <a:p>
             <a:fld id="{94ECA7B9-E137-419C-A0AA-E4A7A6408C27}" type="datetime3">
               <a:rPr lang="en-US" smtClean="0"/>
-              <a:t>21 May 2023</a:t>
+              <a:t>22 May 2023</a:t>
             </a:fld>
             <a:endParaRPr lang="en-US" dirty="0"/>
           </a:p>
@@ -6092,7 +6090,7 @@
           <a:p>
             <a:fld id="{092DB678-E5A8-4AB4-BCEB-FF7AF9DA1E27}" type="datetime3">
               <a:rPr lang="en-US" smtClean="0"/>
-              <a:t>21 May 2023</a:t>
+              <a:t>22 May 2023</a:t>
             </a:fld>
             <a:endParaRPr lang="en-US" dirty="0"/>
           </a:p>
@@ -7164,7 +7162,7 @@
           <a:p>
             <a:fld id="{60EBC9FA-6492-4EEF-8654-78B824EAF7E3}" type="datetime3">
               <a:rPr lang="en-US" smtClean="0"/>
-              <a:t>21 May 2023</a:t>
+              <a:t>22 May 2023</a:t>
             </a:fld>
             <a:endParaRPr lang="en-US" dirty="0"/>
           </a:p>
@@ -7346,7 +7344,7 @@
           <a:p>
             <a:fld id="{273A5C0E-6BCC-477D-A16D-DCBE6F3FD056}" type="datetime3">
               <a:rPr lang="en-US" smtClean="0"/>
-              <a:t>21 May 2023</a:t>
+              <a:t>22 May 2023</a:t>
             </a:fld>
             <a:endParaRPr lang="en-US" dirty="0"/>
           </a:p>
@@ -8371,7 +8369,7 @@
           <a:p>
             <a:fld id="{F1D27EB9-F2E3-4E20-8604-311FD1A815D9}" type="datetime3">
               <a:rPr lang="en-US" smtClean="0"/>
-              <a:t>21 May 2023</a:t>
+              <a:t>22 May 2023</a:t>
             </a:fld>
             <a:endParaRPr lang="en-US" dirty="0"/>
           </a:p>
@@ -8813,7 +8811,7 @@
           <a:p>
             <a:fld id="{A4E3F0EE-A935-4B62-A11F-CFE7336A0168}" type="datetime3">
               <a:rPr lang="en-US" smtClean="0"/>
-              <a:t>21 May 2023</a:t>
+              <a:t>22 May 2023</a:t>
             </a:fld>
             <a:endParaRPr lang="en-US" dirty="0"/>
           </a:p>
@@ -9154,7 +9152,7 @@
           <a:p>
             <a:fld id="{A1CCB08D-9F52-4097-A6B1-556BCA7D756A}" type="datetime3">
               <a:rPr lang="en-US" smtClean="0"/>
-              <a:t>21 May 2023</a:t>
+              <a:t>22 May 2023</a:t>
             </a:fld>
             <a:endParaRPr lang="en-US" dirty="0"/>
           </a:p>
@@ -10382,7 +10380,7 @@
           <a:p>
             <a:fld id="{0C32F6A5-2B36-41F3-B06A-555B3D708D61}" type="datetime3">
               <a:rPr lang="en-US" smtClean="0"/>
-              <a:t>21 May 2023</a:t>
+              <a:t>22 May 2023</a:t>
             </a:fld>
             <a:endParaRPr lang="en-US" dirty="0"/>
           </a:p>
@@ -10616,7 +10614,7 @@
           <a:p>
             <a:fld id="{7FED07E3-F7B4-4827-A82E-45E181DAC1FB}" type="datetime3">
               <a:rPr lang="en-US" smtClean="0"/>
-              <a:t>21 May 2023</a:t>
+              <a:t>22 May 2023</a:t>
             </a:fld>
             <a:endParaRPr lang="en-US" dirty="0"/>
           </a:p>
@@ -10928,7 +10926,7 @@
           <a:p>
             <a:fld id="{8B1B6B8A-083F-43E1-A9D2-BBD5F532B01C}" type="datetime3">
               <a:rPr lang="en-US" smtClean="0"/>
-              <a:t>21 May 2023</a:t>
+              <a:t>22 May 2023</a:t>
             </a:fld>
             <a:endParaRPr lang="en-US" dirty="0"/>
           </a:p>
@@ -12020,7 +12018,7 @@
           <a:p>
             <a:fld id="{096E2AF4-03A5-47E1-9F8C-F128135E01E9}" type="datetime3">
               <a:rPr lang="en-US" smtClean="0"/>
-              <a:t>21 May 2023</a:t>
+              <a:t>22 May 2023</a:t>
             </a:fld>
             <a:endParaRPr lang="en-US" dirty="0"/>
           </a:p>
@@ -13055,7 +13053,7 @@
           <a:p>
             <a:fld id="{BA200F75-2473-4FA2-971B-84DC251BF930}" type="datetime3">
               <a:rPr lang="en-US" smtClean="0"/>
-              <a:t>21 May 2023</a:t>
+              <a:t>22 May 2023</a:t>
             </a:fld>
             <a:endParaRPr lang="en-US" dirty="0"/>
           </a:p>
@@ -14234,7 +14232,7 @@
           <a:p>
             <a:fld id="{BBD35060-6D8F-4324-B4CE-D0C97D6141DC}" type="datetime3">
               <a:rPr lang="en-US" smtClean="0"/>
-              <a:t>21 May 2023</a:t>
+              <a:t>22 May 2023</a:t>
             </a:fld>
             <a:endParaRPr lang="en-US" dirty="0"/>
           </a:p>
@@ -15387,7 +15385,7 @@
           <a:p>
             <a:fld id="{3F853483-E03A-4F62-8E5A-0C6838791E79}" type="datetime3">
               <a:rPr lang="en-US" smtClean="0"/>
-              <a:t>21 May 2023</a:t>
+              <a:t>22 May 2023</a:t>
             </a:fld>
             <a:endParaRPr lang="en-US" dirty="0"/>
           </a:p>
@@ -16576,7 +16574,7 @@
           <a:p>
             <a:fld id="{27710889-BB75-4965-AF48-BB30FFA35951}" type="datetime3">
               <a:rPr lang="en-US" smtClean="0"/>
-              <a:t>21 May 2023</a:t>
+              <a:t>22 May 2023</a:t>
             </a:fld>
             <a:endParaRPr lang="en-US" dirty="0"/>
           </a:p>
@@ -17650,7 +17648,7 @@
           <a:p>
             <a:fld id="{E0E59C8E-2C2E-45AA-B414-105A96D9B43B}" type="datetime3">
               <a:rPr lang="en-US" smtClean="0"/>
-              <a:t>21 May 2023</a:t>
+              <a:t>22 May 2023</a:t>
             </a:fld>
             <a:endParaRPr lang="en-US" dirty="0"/>
           </a:p>
@@ -22813,89 +22811,6 @@
           <p:cNvPr id="2" name="Title 1">
             <a:extLst>
               <a:ext uri="{FF2B5EF4-FFF2-40B4-BE49-F238E27FC236}">
-                <a16:creationId xmlns:a16="http://schemas.microsoft.com/office/drawing/2014/main" id="{9FB215AC-7DA1-8764-0FD7-C474CEEC6CC1}"/>
-              </a:ext>
-            </a:extLst>
-          </p:cNvPr>
-          <p:cNvSpPr>
-            <a:spLocks noGrp="1"/>
-          </p:cNvSpPr>
-          <p:nvPr>
-            <p:ph type="title"/>
-          </p:nvPr>
-        </p:nvSpPr>
-        <p:spPr/>
-        <p:txBody>
-          <a:bodyPr/>
-          <a:lstStyle/>
-          <a:p>
-            <a:endParaRPr lang="en-IN"/>
-          </a:p>
-        </p:txBody>
-      </p:sp>
-      <p:sp>
-        <p:nvSpPr>
-          <p:cNvPr id="3" name="Content Placeholder 2">
-            <a:extLst>
-              <a:ext uri="{FF2B5EF4-FFF2-40B4-BE49-F238E27FC236}">
-                <a16:creationId xmlns:a16="http://schemas.microsoft.com/office/drawing/2014/main" id="{9D6D1437-C9D0-CE2C-E428-1C48F9F706E7}"/>
-              </a:ext>
-            </a:extLst>
-          </p:cNvPr>
-          <p:cNvSpPr>
-            <a:spLocks noGrp="1"/>
-          </p:cNvSpPr>
-          <p:nvPr>
-            <p:ph idx="1"/>
-          </p:nvPr>
-        </p:nvSpPr>
-        <p:spPr/>
-        <p:txBody>
-          <a:bodyPr/>
-          <a:lstStyle/>
-          <a:p>
-            <a:endParaRPr lang="en-IN" dirty="0"/>
-          </a:p>
-        </p:txBody>
-      </p:sp>
-    </p:spTree>
-    <p:extLst>
-      <p:ext uri="{BB962C8B-B14F-4D97-AF65-F5344CB8AC3E}">
-        <p14:creationId xmlns:p14="http://schemas.microsoft.com/office/powerpoint/2010/main" val="3752671453"/>
-      </p:ext>
-    </p:extLst>
-  </p:cSld>
-  <p:clrMapOvr>
-    <a:masterClrMapping/>
-  </p:clrMapOvr>
-  <p:transition>
-    <p:fade/>
-  </p:transition>
-</p:sld>
-</file>
-
-<file path=ppt/slides/slide19.xml><?xml version="1.0" encoding="utf-8"?>
-<p:sld xmlns:a="http://schemas.openxmlformats.org/drawingml/2006/main" xmlns:r="http://schemas.openxmlformats.org/officeDocument/2006/relationships" xmlns:p="http://schemas.openxmlformats.org/presentationml/2006/main">
-  <p:cSld>
-    <p:spTree>
-      <p:nvGrpSpPr>
-        <p:cNvPr id="1" name=""/>
-        <p:cNvGrpSpPr/>
-        <p:nvPr/>
-      </p:nvGrpSpPr>
-      <p:grpSpPr>
-        <a:xfrm>
-          <a:off x="0" y="0"/>
-          <a:ext cx="0" cy="0"/>
-          <a:chOff x="0" y="0"/>
-          <a:chExt cx="0" cy="0"/>
-        </a:xfrm>
-      </p:grpSpPr>
-      <p:sp>
-        <p:nvSpPr>
-          <p:cNvPr id="2" name="Title 1">
-            <a:extLst>
-              <a:ext uri="{FF2B5EF4-FFF2-40B4-BE49-F238E27FC236}">
                 <a16:creationId xmlns:a16="http://schemas.microsoft.com/office/drawing/2014/main" id="{5C5ACF71-2301-C3B1-922B-D9CAA6181A29}"/>
               </a:ext>
             </a:extLst>
@@ -23201,6 +23116,200 @@
 </p:sld>
 </file>
 
+<file path=ppt/slides/slide19.xml><?xml version="1.0" encoding="utf-8"?>
+<p:sld xmlns:a="http://schemas.openxmlformats.org/drawingml/2006/main" xmlns:r="http://schemas.openxmlformats.org/officeDocument/2006/relationships" xmlns:p="http://schemas.openxmlformats.org/presentationml/2006/main">
+  <p:cSld>
+    <p:spTree>
+      <p:nvGrpSpPr>
+        <p:cNvPr id="1" name=""/>
+        <p:cNvGrpSpPr/>
+        <p:nvPr/>
+      </p:nvGrpSpPr>
+      <p:grpSpPr>
+        <a:xfrm>
+          <a:off x="0" y="0"/>
+          <a:ext cx="0" cy="0"/>
+          <a:chOff x="0" y="0"/>
+          <a:chExt cx="0" cy="0"/>
+        </a:xfrm>
+      </p:grpSpPr>
+      <p:sp>
+        <p:nvSpPr>
+          <p:cNvPr id="2" name="Title 1">
+            <a:extLst>
+              <a:ext uri="{FF2B5EF4-FFF2-40B4-BE49-F238E27FC236}">
+                <a16:creationId xmlns:a16="http://schemas.microsoft.com/office/drawing/2014/main" id="{5C5ACF71-2301-C3B1-922B-D9CAA6181A29}"/>
+              </a:ext>
+            </a:extLst>
+          </p:cNvPr>
+          <p:cNvSpPr>
+            <a:spLocks noGrp="1"/>
+          </p:cNvSpPr>
+          <p:nvPr>
+            <p:ph type="title"/>
+          </p:nvPr>
+        </p:nvSpPr>
+        <p:spPr/>
+        <p:txBody>
+          <a:bodyPr/>
+          <a:lstStyle/>
+          <a:p>
+            <a:r>
+              <a:rPr lang="en-US" b="1" dirty="0">
+                <a:solidFill>
+                  <a:srgbClr val="3D4149"/>
+                </a:solidFill>
+              </a:rPr>
+              <a:t>What Next?</a:t>
+            </a:r>
+          </a:p>
+        </p:txBody>
+      </p:sp>
+      <p:sp>
+        <p:nvSpPr>
+          <p:cNvPr id="3" name="Content Placeholder 2">
+            <a:extLst>
+              <a:ext uri="{FF2B5EF4-FFF2-40B4-BE49-F238E27FC236}">
+                <a16:creationId xmlns:a16="http://schemas.microsoft.com/office/drawing/2014/main" id="{651A05B7-66BC-C74D-9E17-C0962A17CA59}"/>
+              </a:ext>
+            </a:extLst>
+          </p:cNvPr>
+          <p:cNvSpPr>
+            <a:spLocks noGrp="1"/>
+          </p:cNvSpPr>
+          <p:nvPr>
+            <p:ph idx="1"/>
+          </p:nvPr>
+        </p:nvSpPr>
+        <p:spPr>
+          <a:xfrm>
+            <a:off x="838200" y="1988840"/>
+            <a:ext cx="10515600" cy="4320480"/>
+          </a:xfrm>
+        </p:spPr>
+        <p:txBody>
+          <a:bodyPr>
+            <a:normAutofit/>
+          </a:bodyPr>
+          <a:lstStyle/>
+          <a:p>
+            <a:pPr algn="just"/>
+            <a:r>
+              <a:rPr lang="en-US" dirty="0"/>
+              <a:t>Recognize other gestures like- Number, Words, Instructions etc.</a:t>
+            </a:r>
+          </a:p>
+          <a:p>
+            <a:pPr algn="just"/>
+            <a:r>
+              <a:rPr lang="en-US" dirty="0"/>
+              <a:t>Also recognize dynamic signs.</a:t>
+            </a:r>
+          </a:p>
+          <a:p>
+            <a:pPr algn="just"/>
+            <a:r>
+              <a:rPr lang="en-US" dirty="0"/>
+              <a:t>Implement speak functionality.</a:t>
+            </a:r>
+          </a:p>
+          <a:p>
+            <a:pPr algn="just"/>
+            <a:r>
+              <a:rPr lang="en-US" dirty="0"/>
+              <a:t>Finally implement a beautiful User Interface. </a:t>
+            </a:r>
+          </a:p>
+        </p:txBody>
+      </p:sp>
+      <p:sp>
+        <p:nvSpPr>
+          <p:cNvPr id="4" name="Text Placeholder 3">
+            <a:extLst>
+              <a:ext uri="{FF2B5EF4-FFF2-40B4-BE49-F238E27FC236}">
+                <a16:creationId xmlns:a16="http://schemas.microsoft.com/office/drawing/2014/main" id="{D1581D48-371F-AEE0-0C32-E3A1C4F5314E}"/>
+              </a:ext>
+            </a:extLst>
+          </p:cNvPr>
+          <p:cNvSpPr>
+            <a:spLocks noGrp="1"/>
+          </p:cNvSpPr>
+          <p:nvPr>
+            <p:ph type="body" sz="quarter" idx="13"/>
+          </p:nvPr>
+        </p:nvSpPr>
+        <p:spPr/>
+        <p:txBody>
+          <a:bodyPr/>
+          <a:lstStyle/>
+          <a:p>
+            <a:r>
+              <a:rPr lang="en-US" dirty="0"/>
+              <a:t>14</a:t>
+            </a:r>
+            <a:endParaRPr lang="en-IN" dirty="0"/>
+          </a:p>
+        </p:txBody>
+      </p:sp>
+      <p:pic>
+        <p:nvPicPr>
+          <p:cNvPr id="5" name="Picture 4">
+            <a:extLst>
+              <a:ext uri="{FF2B5EF4-FFF2-40B4-BE49-F238E27FC236}">
+                <a16:creationId xmlns:a16="http://schemas.microsoft.com/office/drawing/2014/main" id="{DBC16FEF-DA8E-9EF8-DCB5-7044EBC2E9AD}"/>
+              </a:ext>
+            </a:extLst>
+          </p:cNvPr>
+          <p:cNvPicPr>
+            <a:picLocks noChangeAspect="1"/>
+          </p:cNvPicPr>
+          <p:nvPr/>
+        </p:nvPicPr>
+        <p:blipFill rotWithShape="1">
+          <a:blip r:embed="rId2" cstate="print">
+            <a:extLst>
+              <a:ext uri="{28A0092B-C50C-407E-A947-70E740481C1C}">
+                <a14:useLocalDpi xmlns:a14="http://schemas.microsoft.com/office/drawing/2010/main" val="0"/>
+              </a:ext>
+            </a:extLst>
+          </a:blip>
+          <a:srcRect l="70904" t="3297" r="879" b="17727"/>
+          <a:stretch/>
+        </p:blipFill>
+        <p:spPr bwMode="auto">
+          <a:xfrm>
+            <a:off x="8760296" y="4354969"/>
+            <a:ext cx="3279292" cy="2467967"/>
+          </a:xfrm>
+          <a:prstGeom prst="rect">
+            <a:avLst/>
+          </a:prstGeom>
+          <a:ln>
+            <a:noFill/>
+          </a:ln>
+          <a:extLst>
+            <a:ext uri="{53640926-AAD7-44D8-BBD7-CCE9431645EC}">
+              <a14:shadowObscured xmlns:a14="http://schemas.microsoft.com/office/drawing/2010/main"/>
+            </a:ext>
+          </a:extLst>
+        </p:spPr>
+      </p:pic>
+    </p:spTree>
+    <p:extLst>
+      <p:ext uri="{BB962C8B-B14F-4D97-AF65-F5344CB8AC3E}">
+        <p14:creationId xmlns:p14="http://schemas.microsoft.com/office/powerpoint/2010/main" val="1993471846"/>
+      </p:ext>
+    </p:extLst>
+  </p:cSld>
+  <p:clrMapOvr>
+    <a:masterClrMapping/>
+  </p:clrMapOvr>
+  <p:transition>
+    <p:fade/>
+  </p:transition>
+</p:sld>
+</file>
+
 <file path=ppt/slides/slide2.xml><?xml version="1.0" encoding="utf-8"?>
 <p:sld xmlns:a="http://schemas.openxmlformats.org/drawingml/2006/main" xmlns:r="http://schemas.openxmlformats.org/officeDocument/2006/relationships" xmlns:p="http://schemas.openxmlformats.org/presentationml/2006/main">
   <p:cSld>
@@ -23455,7 +23564,7 @@
                   <a:srgbClr val="3D4149"/>
                 </a:solidFill>
               </a:rPr>
-              <a:t>What Next?</a:t>
+              <a:t>Conclusion</a:t>
             </a:r>
           </a:p>
         </p:txBody>
@@ -23491,28 +23600,21 @@
             <a:pPr algn="just"/>
             <a:r>
               <a:rPr lang="en-US" dirty="0"/>
-              <a:t>Recognize other gestures like- Number, Words, Instructions etc.</a:t>
+              <a:t>In this project we proposed an idea for feasible communication between deaf &amp; dumb and normal people by using Machine Learning &amp; Image Processing.</a:t>
             </a:r>
           </a:p>
           <a:p>
             <a:pPr algn="just"/>
             <a:r>
               <a:rPr lang="en-US" dirty="0"/>
-              <a:t>Also recognize dynamic signs.</a:t>
+              <a:t>Our proposed project ensure accuracy of 96.3%.</a:t>
             </a:r>
           </a:p>
           <a:p>
             <a:pPr algn="just"/>
             <a:r>
               <a:rPr lang="en-US" dirty="0"/>
-              <a:t>Implement speak functionality.</a:t>
-            </a:r>
-          </a:p>
-          <a:p>
-            <a:pPr algn="just"/>
-            <a:r>
-              <a:rPr lang="en-US" dirty="0"/>
-              <a:t>Finally implement a beautiful User Interface. </a:t>
+              <a:t>But there is some problem with real time testing.</a:t>
             </a:r>
           </a:p>
         </p:txBody>
@@ -23540,193 +23642,6 @@
           <a:p>
             <a:r>
               <a:rPr lang="en-US" dirty="0"/>
-              <a:t>14</a:t>
-            </a:r>
-            <a:endParaRPr lang="en-IN" dirty="0"/>
-          </a:p>
-        </p:txBody>
-      </p:sp>
-      <p:pic>
-        <p:nvPicPr>
-          <p:cNvPr id="5" name="Picture 4">
-            <a:extLst>
-              <a:ext uri="{FF2B5EF4-FFF2-40B4-BE49-F238E27FC236}">
-                <a16:creationId xmlns:a16="http://schemas.microsoft.com/office/drawing/2014/main" id="{DBC16FEF-DA8E-9EF8-DCB5-7044EBC2E9AD}"/>
-              </a:ext>
-            </a:extLst>
-          </p:cNvPr>
-          <p:cNvPicPr>
-            <a:picLocks noChangeAspect="1"/>
-          </p:cNvPicPr>
-          <p:nvPr/>
-        </p:nvPicPr>
-        <p:blipFill rotWithShape="1">
-          <a:blip r:embed="rId2" cstate="print">
-            <a:extLst>
-              <a:ext uri="{28A0092B-C50C-407E-A947-70E740481C1C}">
-                <a14:useLocalDpi xmlns:a14="http://schemas.microsoft.com/office/drawing/2010/main" val="0"/>
-              </a:ext>
-            </a:extLst>
-          </a:blip>
-          <a:srcRect l="70904" t="3297" r="879" b="17727"/>
-          <a:stretch/>
-        </p:blipFill>
-        <p:spPr bwMode="auto">
-          <a:xfrm>
-            <a:off x="8760296" y="4354969"/>
-            <a:ext cx="3279292" cy="2467967"/>
-          </a:xfrm>
-          <a:prstGeom prst="rect">
-            <a:avLst/>
-          </a:prstGeom>
-          <a:ln>
-            <a:noFill/>
-          </a:ln>
-          <a:extLst>
-            <a:ext uri="{53640926-AAD7-44D8-BBD7-CCE9431645EC}">
-              <a14:shadowObscured xmlns:a14="http://schemas.microsoft.com/office/drawing/2010/main"/>
-            </a:ext>
-          </a:extLst>
-        </p:spPr>
-      </p:pic>
-    </p:spTree>
-    <p:extLst>
-      <p:ext uri="{BB962C8B-B14F-4D97-AF65-F5344CB8AC3E}">
-        <p14:creationId xmlns:p14="http://schemas.microsoft.com/office/powerpoint/2010/main" val="1993471846"/>
-      </p:ext>
-    </p:extLst>
-  </p:cSld>
-  <p:clrMapOvr>
-    <a:masterClrMapping/>
-  </p:clrMapOvr>
-  <p:transition>
-    <p:fade/>
-  </p:transition>
-</p:sld>
-</file>
-
-<file path=ppt/slides/slide21.xml><?xml version="1.0" encoding="utf-8"?>
-<p:sld xmlns:a="http://schemas.openxmlformats.org/drawingml/2006/main" xmlns:r="http://schemas.openxmlformats.org/officeDocument/2006/relationships" xmlns:p="http://schemas.openxmlformats.org/presentationml/2006/main">
-  <p:cSld>
-    <p:spTree>
-      <p:nvGrpSpPr>
-        <p:cNvPr id="1" name=""/>
-        <p:cNvGrpSpPr/>
-        <p:nvPr/>
-      </p:nvGrpSpPr>
-      <p:grpSpPr>
-        <a:xfrm>
-          <a:off x="0" y="0"/>
-          <a:ext cx="0" cy="0"/>
-          <a:chOff x="0" y="0"/>
-          <a:chExt cx="0" cy="0"/>
-        </a:xfrm>
-      </p:grpSpPr>
-      <p:sp>
-        <p:nvSpPr>
-          <p:cNvPr id="2" name="Title 1">
-            <a:extLst>
-              <a:ext uri="{FF2B5EF4-FFF2-40B4-BE49-F238E27FC236}">
-                <a16:creationId xmlns:a16="http://schemas.microsoft.com/office/drawing/2014/main" id="{5C5ACF71-2301-C3B1-922B-D9CAA6181A29}"/>
-              </a:ext>
-            </a:extLst>
-          </p:cNvPr>
-          <p:cNvSpPr>
-            <a:spLocks noGrp="1"/>
-          </p:cNvSpPr>
-          <p:nvPr>
-            <p:ph type="title"/>
-          </p:nvPr>
-        </p:nvSpPr>
-        <p:spPr/>
-        <p:txBody>
-          <a:bodyPr/>
-          <a:lstStyle/>
-          <a:p>
-            <a:r>
-              <a:rPr lang="en-US" b="1" dirty="0">
-                <a:solidFill>
-                  <a:srgbClr val="3D4149"/>
-                </a:solidFill>
-              </a:rPr>
-              <a:t>Conclusion</a:t>
-            </a:r>
-          </a:p>
-        </p:txBody>
-      </p:sp>
-      <p:sp>
-        <p:nvSpPr>
-          <p:cNvPr id="3" name="Content Placeholder 2">
-            <a:extLst>
-              <a:ext uri="{FF2B5EF4-FFF2-40B4-BE49-F238E27FC236}">
-                <a16:creationId xmlns:a16="http://schemas.microsoft.com/office/drawing/2014/main" id="{651A05B7-66BC-C74D-9E17-C0962A17CA59}"/>
-              </a:ext>
-            </a:extLst>
-          </p:cNvPr>
-          <p:cNvSpPr>
-            <a:spLocks noGrp="1"/>
-          </p:cNvSpPr>
-          <p:nvPr>
-            <p:ph idx="1"/>
-          </p:nvPr>
-        </p:nvSpPr>
-        <p:spPr>
-          <a:xfrm>
-            <a:off x="838200" y="1988840"/>
-            <a:ext cx="10515600" cy="4320480"/>
-          </a:xfrm>
-        </p:spPr>
-        <p:txBody>
-          <a:bodyPr>
-            <a:normAutofit/>
-          </a:bodyPr>
-          <a:lstStyle/>
-          <a:p>
-            <a:pPr algn="just"/>
-            <a:r>
-              <a:rPr lang="en-US" dirty="0"/>
-              <a:t>In this project we proposed an idea for feasible communication between deaf &amp; dumb and normal people by using Machine Learning &amp; Image Processing.</a:t>
-            </a:r>
-          </a:p>
-          <a:p>
-            <a:pPr algn="just"/>
-            <a:r>
-              <a:rPr lang="en-US" dirty="0"/>
-              <a:t>Our proposed project ensure accuracy of 96.3%.</a:t>
-            </a:r>
-          </a:p>
-          <a:p>
-            <a:pPr algn="just"/>
-            <a:r>
-              <a:rPr lang="en-US" dirty="0"/>
-              <a:t>But there is some problem with real time testing.</a:t>
-            </a:r>
-          </a:p>
-        </p:txBody>
-      </p:sp>
-      <p:sp>
-        <p:nvSpPr>
-          <p:cNvPr id="4" name="Text Placeholder 3">
-            <a:extLst>
-              <a:ext uri="{FF2B5EF4-FFF2-40B4-BE49-F238E27FC236}">
-                <a16:creationId xmlns:a16="http://schemas.microsoft.com/office/drawing/2014/main" id="{D1581D48-371F-AEE0-0C32-E3A1C4F5314E}"/>
-              </a:ext>
-            </a:extLst>
-          </p:cNvPr>
-          <p:cNvSpPr>
-            <a:spLocks noGrp="1"/>
-          </p:cNvSpPr>
-          <p:nvPr>
-            <p:ph type="body" sz="quarter" idx="13"/>
-          </p:nvPr>
-        </p:nvSpPr>
-        <p:spPr/>
-        <p:txBody>
-          <a:bodyPr/>
-          <a:lstStyle/>
-          <a:p>
-            <a:r>
-              <a:rPr lang="en-US" dirty="0"/>
               <a:t>15</a:t>
             </a:r>
             <a:endParaRPr lang="en-IN" dirty="0"/>
@@ -23749,7 +23664,7 @@
 </p:sld>
 </file>
 
-<file path=ppt/slides/slide22.xml><?xml version="1.0" encoding="utf-8"?>
+<file path=ppt/slides/slide21.xml><?xml version="1.0" encoding="utf-8"?>
 <p:sld xmlns:a="http://schemas.openxmlformats.org/drawingml/2006/main" xmlns:r="http://schemas.openxmlformats.org/officeDocument/2006/relationships" xmlns:p="http://schemas.openxmlformats.org/presentationml/2006/main">
   <p:cSld>
     <p:spTree>
